--- a/Milestone2Presentation.pptx
+++ b/Milestone2Presentation.pptx
@@ -344,7 +344,7 @@
       </p:grpSpPr>
       <p:sp>
         <p:nvSpPr>
-          <p:cNvPr id="116" name="Shape 116"/>
+          <p:cNvPr id="120" name="Shape 120"/>
           <p:cNvSpPr/>
           <p:nvPr>
             <p:ph type="sldImg"/>
@@ -369,7 +369,7 @@
       </p:sp>
       <p:sp>
         <p:nvSpPr>
-          <p:cNvPr id="117" name="Shape 117"/>
+          <p:cNvPr id="121" name="Shape 121"/>
           <p:cNvSpPr/>
           <p:nvPr>
             <p:ph type="body" sz="quarter" idx="1"/>
@@ -502,6 +502,16 @@
 <file path=ppt/slideLayouts/slideLayout1.xml><?xml version="1.0" encoding="utf-8"?>
 <p:sldLayout xmlns:a="http://schemas.openxmlformats.org/drawingml/2006/main" xmlns:r="http://schemas.openxmlformats.org/officeDocument/2006/relationships" xmlns:p="http://schemas.openxmlformats.org/presentationml/2006/main" type="title" showMasterSp="1" showMasterPhAnim="1">
   <p:cSld name="Title &amp; Subtitle">
+    <p:bg>
+      <p:bgPr>
+        <a:solidFill>
+          <a:schemeClr val="accent1">
+            <a:hueOff val="300932"/>
+            <a:lumOff val="-21745"/>
+          </a:schemeClr>
+        </a:solidFill>
+      </p:bgPr>
+    </p:bg>
     <p:spTree>
       <p:nvGrpSpPr>
         <p:cNvPr id="1" name=""/>
@@ -535,7 +545,16 @@
         </p:spPr>
         <p:txBody>
           <a:bodyPr anchor="b"/>
-          <a:lstStyle/>
+          <a:lstStyle>
+            <a:lvl1pPr>
+              <a:defRPr>
+                <a:latin typeface="Gill Sans"/>
+                <a:ea typeface="Gill Sans"/>
+                <a:cs typeface="Gill Sans"/>
+                <a:sym typeface="Gill Sans"/>
+              </a:defRPr>
+            </a:lvl1pPr>
+          </a:lstStyle>
           <a:p>
             <a:pPr/>
             <a:r>
@@ -641,6 +660,76 @@
         <p:nvSpPr>
           <p:cNvPr id="13" name="Shape 13"/>
           <p:cNvSpPr/>
+          <p:nvPr/>
+        </p:nvSpPr>
+        <p:spPr>
+          <a:xfrm flipV="1">
+            <a:off x="12334467" y="-2825"/>
+            <a:ext cx="1" cy="9759250"/>
+          </a:xfrm>
+          <a:prstGeom prst="line">
+            <a:avLst/>
+          </a:prstGeom>
+          <a:ln w="25400">
+            <a:solidFill>
+              <a:schemeClr val="accent5">
+                <a:hueOff val="101205"/>
+                <a:satOff val="-13598"/>
+                <a:lumOff val="23877"/>
+              </a:schemeClr>
+            </a:solidFill>
+            <a:miter lim="400000"/>
+          </a:ln>
+        </p:spPr>
+        <p:txBody>
+          <a:bodyPr lIns="50800" tIns="50800" rIns="50800" bIns="50800" anchor="ctr"/>
+          <a:lstStyle/>
+          <a:p>
+            <a:pPr>
+              <a:defRPr sz="2600"/>
+            </a:pPr>
+          </a:p>
+        </p:txBody>
+      </p:sp>
+      <p:sp>
+        <p:nvSpPr>
+          <p:cNvPr id="14" name="Shape 14"/>
+          <p:cNvSpPr/>
+          <p:nvPr/>
+        </p:nvSpPr>
+        <p:spPr>
+          <a:xfrm>
+            <a:off x="23694" y="9187320"/>
+            <a:ext cx="12957412" cy="1"/>
+          </a:xfrm>
+          <a:prstGeom prst="line">
+            <a:avLst/>
+          </a:prstGeom>
+          <a:ln w="25400">
+            <a:solidFill>
+              <a:schemeClr val="accent5">
+                <a:hueOff val="101205"/>
+                <a:satOff val="-13598"/>
+                <a:lumOff val="23877"/>
+              </a:schemeClr>
+            </a:solidFill>
+            <a:miter lim="400000"/>
+          </a:ln>
+        </p:spPr>
+        <p:txBody>
+          <a:bodyPr lIns="50800" tIns="50800" rIns="50800" bIns="50800" anchor="ctr"/>
+          <a:lstStyle/>
+          <a:p>
+            <a:pPr>
+              <a:defRPr sz="2600"/>
+            </a:pPr>
+          </a:p>
+        </p:txBody>
+      </p:sp>
+      <p:sp>
+        <p:nvSpPr>
+          <p:cNvPr id="15" name="Shape 15"/>
+          <p:cNvSpPr/>
           <p:nvPr>
             <p:ph type="sldNum" sz="quarter" idx="2"/>
           </p:nvPr>
@@ -687,7 +776,7 @@
       </p:grpSpPr>
       <p:sp>
         <p:nvSpPr>
-          <p:cNvPr id="93" name="Shape 93"/>
+          <p:cNvPr id="97" name="Shape 97"/>
           <p:cNvSpPr/>
           <p:nvPr>
             <p:ph type="body" sz="quarter" idx="13"/>
@@ -726,7 +815,7 @@
       </p:sp>
       <p:sp>
         <p:nvSpPr>
-          <p:cNvPr id="94" name="Shape 94"/>
+          <p:cNvPr id="98" name="Shape 98"/>
           <p:cNvSpPr/>
           <p:nvPr>
             <p:ph type="body" sz="quarter" idx="14"/>
@@ -764,7 +853,7 @@
       </p:sp>
       <p:sp>
         <p:nvSpPr>
-          <p:cNvPr id="95" name="Shape 95"/>
+          <p:cNvPr id="99" name="Shape 99"/>
           <p:cNvSpPr/>
           <p:nvPr>
             <p:ph type="sldNum" sz="quarter" idx="2"/>
@@ -812,7 +901,7 @@
       </p:grpSpPr>
       <p:sp>
         <p:nvSpPr>
-          <p:cNvPr id="102" name="Shape 102"/>
+          <p:cNvPr id="106" name="Shape 106"/>
           <p:cNvSpPr/>
           <p:nvPr>
             <p:ph type="pic" idx="13"/>
@@ -839,7 +928,7 @@
       </p:sp>
       <p:sp>
         <p:nvSpPr>
-          <p:cNvPr id="103" name="Shape 103"/>
+          <p:cNvPr id="107" name="Shape 107"/>
           <p:cNvSpPr/>
           <p:nvPr>
             <p:ph type="sldNum" sz="quarter" idx="2"/>
@@ -887,7 +976,7 @@
       </p:grpSpPr>
       <p:sp>
         <p:nvSpPr>
-          <p:cNvPr id="110" name="Shape 110"/>
+          <p:cNvPr id="114" name="Shape 114"/>
           <p:cNvSpPr/>
           <p:nvPr>
             <p:ph type="sldNum" sz="quarter" idx="2"/>
@@ -935,7 +1024,7 @@
       </p:grpSpPr>
       <p:sp>
         <p:nvSpPr>
-          <p:cNvPr id="20" name="Shape 20"/>
+          <p:cNvPr id="22" name="Shape 22"/>
           <p:cNvSpPr/>
           <p:nvPr>
             <p:ph type="pic" idx="13"/>
@@ -962,7 +1051,7 @@
       </p:sp>
       <p:sp>
         <p:nvSpPr>
-          <p:cNvPr id="21" name="Shape 21"/>
+          <p:cNvPr id="23" name="Shape 23"/>
           <p:cNvSpPr/>
           <p:nvPr>
             <p:ph type="title"/>
@@ -990,7 +1079,7 @@
       </p:sp>
       <p:sp>
         <p:nvSpPr>
-          <p:cNvPr id="22" name="Shape 22"/>
+          <p:cNvPr id="24" name="Shape 24"/>
           <p:cNvSpPr/>
           <p:nvPr>
             <p:ph type="body" sz="quarter" idx="1"/>
@@ -1083,7 +1172,7 @@
       </p:sp>
       <p:sp>
         <p:nvSpPr>
-          <p:cNvPr id="23" name="Shape 23"/>
+          <p:cNvPr id="25" name="Shape 25"/>
           <p:cNvSpPr/>
           <p:nvPr>
             <p:ph type="sldNum" sz="quarter" idx="2"/>
@@ -1131,7 +1220,7 @@
       </p:grpSpPr>
       <p:sp>
         <p:nvSpPr>
-          <p:cNvPr id="30" name="Shape 30"/>
+          <p:cNvPr id="32" name="Shape 32"/>
           <p:cNvSpPr/>
           <p:nvPr>
             <p:ph type="title"/>
@@ -1159,7 +1248,7 @@
       </p:sp>
       <p:sp>
         <p:nvSpPr>
-          <p:cNvPr id="31" name="Shape 31"/>
+          <p:cNvPr id="33" name="Shape 33"/>
           <p:cNvSpPr/>
           <p:nvPr>
             <p:ph type="sldNum" sz="quarter" idx="2"/>
@@ -1207,7 +1296,7 @@
       </p:grpSpPr>
       <p:sp>
         <p:nvSpPr>
-          <p:cNvPr id="38" name="Shape 38"/>
+          <p:cNvPr id="40" name="Shape 40"/>
           <p:cNvSpPr/>
           <p:nvPr>
             <p:ph type="pic" sz="half" idx="13"/>
@@ -1234,7 +1323,7 @@
       </p:sp>
       <p:sp>
         <p:nvSpPr>
-          <p:cNvPr id="39" name="Shape 39"/>
+          <p:cNvPr id="41" name="Shape 41"/>
           <p:cNvSpPr/>
           <p:nvPr>
             <p:ph type="title"/>
@@ -1266,7 +1355,7 @@
       </p:sp>
       <p:sp>
         <p:nvSpPr>
-          <p:cNvPr id="40" name="Shape 40"/>
+          <p:cNvPr id="42" name="Shape 42"/>
           <p:cNvSpPr/>
           <p:nvPr>
             <p:ph type="body" sz="quarter" idx="1"/>
@@ -1359,7 +1448,7 @@
       </p:sp>
       <p:sp>
         <p:nvSpPr>
-          <p:cNvPr id="41" name="Shape 41"/>
+          <p:cNvPr id="43" name="Shape 43"/>
           <p:cNvSpPr/>
           <p:nvPr>
             <p:ph type="sldNum" sz="quarter" idx="2"/>
@@ -1407,7 +1496,7 @@
       </p:grpSpPr>
       <p:sp>
         <p:nvSpPr>
-          <p:cNvPr id="48" name="Shape 48"/>
+          <p:cNvPr id="50" name="Shape 50"/>
           <p:cNvSpPr/>
           <p:nvPr>
             <p:ph type="title"/>
@@ -1431,7 +1520,7 @@
       </p:sp>
       <p:sp>
         <p:nvSpPr>
-          <p:cNvPr id="49" name="Shape 49"/>
+          <p:cNvPr id="51" name="Shape 51"/>
           <p:cNvSpPr/>
           <p:nvPr>
             <p:ph type="sldNum" sz="quarter" idx="2"/>
@@ -1463,6 +1552,16 @@
 <file path=ppt/slideLayouts/slideLayout6.xml><?xml version="1.0" encoding="utf-8"?>
 <p:sldLayout xmlns:a="http://schemas.openxmlformats.org/drawingml/2006/main" xmlns:r="http://schemas.openxmlformats.org/officeDocument/2006/relationships" xmlns:p="http://schemas.openxmlformats.org/presentationml/2006/main" type="tx" showMasterSp="1" showMasterPhAnim="1">
   <p:cSld name="Title &amp; Bullets">
+    <p:bg>
+      <p:bgPr>
+        <a:solidFill>
+          <a:schemeClr val="accent1">
+            <a:hueOff val="300932"/>
+            <a:lumOff val="-21745"/>
+          </a:schemeClr>
+        </a:solidFill>
+      </p:bgPr>
+    </p:bg>
     <p:spTree>
       <p:nvGrpSpPr>
         <p:cNvPr id="1" name=""/>
@@ -1479,7 +1578,7 @@
       </p:grpSpPr>
       <p:sp>
         <p:nvSpPr>
-          <p:cNvPr id="56" name="Shape 56"/>
+          <p:cNvPr id="58" name="Shape 58"/>
           <p:cNvSpPr/>
           <p:nvPr>
             <p:ph type="title"/>
@@ -1492,7 +1591,16 @@
         </p:spPr>
         <p:txBody>
           <a:bodyPr/>
-          <a:lstStyle/>
+          <a:lstStyle>
+            <a:lvl1pPr>
+              <a:defRPr>
+                <a:latin typeface="Gill Sans"/>
+                <a:ea typeface="Gill Sans"/>
+                <a:cs typeface="Gill Sans"/>
+                <a:sym typeface="Gill Sans"/>
+              </a:defRPr>
+            </a:lvl1pPr>
+          </a:lstStyle>
           <a:p>
             <a:pPr/>
             <a:r>
@@ -1503,7 +1611,7 @@
       </p:sp>
       <p:sp>
         <p:nvSpPr>
-          <p:cNvPr id="57" name="Shape 57"/>
+          <p:cNvPr id="59" name="Shape 59"/>
           <p:cNvSpPr/>
           <p:nvPr>
             <p:ph type="body" idx="1"/>
@@ -1516,7 +1624,16 @@
         </p:spPr>
         <p:txBody>
           <a:bodyPr/>
-          <a:lstStyle/>
+          <a:lstStyle>
+            <a:lvl1pPr>
+              <a:defRPr>
+                <a:latin typeface="Gill Sans"/>
+                <a:ea typeface="Gill Sans"/>
+                <a:cs typeface="Gill Sans"/>
+                <a:sym typeface="Gill Sans"/>
+              </a:defRPr>
+            </a:lvl1pPr>
+          </a:lstStyle>
           <a:p>
             <a:pPr/>
             <a:r>
@@ -1551,7 +1668,77 @@
       </p:sp>
       <p:sp>
         <p:nvSpPr>
-          <p:cNvPr id="58" name="Shape 58"/>
+          <p:cNvPr id="60" name="Shape 60"/>
+          <p:cNvSpPr/>
+          <p:nvPr/>
+        </p:nvSpPr>
+        <p:spPr>
+          <a:xfrm>
+            <a:off x="23694" y="9178903"/>
+            <a:ext cx="12957412" cy="1"/>
+          </a:xfrm>
+          <a:prstGeom prst="line">
+            <a:avLst/>
+          </a:prstGeom>
+          <a:ln w="25400">
+            <a:solidFill>
+              <a:schemeClr val="accent5">
+                <a:hueOff val="101205"/>
+                <a:satOff val="-13598"/>
+                <a:lumOff val="23877"/>
+              </a:schemeClr>
+            </a:solidFill>
+            <a:miter lim="400000"/>
+          </a:ln>
+        </p:spPr>
+        <p:txBody>
+          <a:bodyPr lIns="50800" tIns="50800" rIns="50800" bIns="50800" anchor="ctr"/>
+          <a:lstStyle/>
+          <a:p>
+            <a:pPr>
+              <a:defRPr sz="2600"/>
+            </a:pPr>
+          </a:p>
+        </p:txBody>
+      </p:sp>
+      <p:sp>
+        <p:nvSpPr>
+          <p:cNvPr id="61" name="Shape 61"/>
+          <p:cNvSpPr/>
+          <p:nvPr/>
+        </p:nvSpPr>
+        <p:spPr>
+          <a:xfrm flipV="1">
+            <a:off x="12334467" y="-2825"/>
+            <a:ext cx="1" cy="9759250"/>
+          </a:xfrm>
+          <a:prstGeom prst="line">
+            <a:avLst/>
+          </a:prstGeom>
+          <a:ln w="25400">
+            <a:solidFill>
+              <a:schemeClr val="accent5">
+                <a:hueOff val="101205"/>
+                <a:satOff val="-13598"/>
+                <a:lumOff val="23877"/>
+              </a:schemeClr>
+            </a:solidFill>
+            <a:miter lim="400000"/>
+          </a:ln>
+        </p:spPr>
+        <p:txBody>
+          <a:bodyPr lIns="50800" tIns="50800" rIns="50800" bIns="50800" anchor="ctr"/>
+          <a:lstStyle/>
+          <a:p>
+            <a:pPr>
+              <a:defRPr sz="2600"/>
+            </a:pPr>
+          </a:p>
+        </p:txBody>
+      </p:sp>
+      <p:sp>
+        <p:nvSpPr>
+          <p:cNvPr id="62" name="Shape 62"/>
           <p:cNvSpPr/>
           <p:nvPr>
             <p:ph type="sldNum" sz="quarter" idx="2"/>
@@ -1599,7 +1786,7 @@
       </p:grpSpPr>
       <p:sp>
         <p:nvSpPr>
-          <p:cNvPr id="65" name="Shape 65"/>
+          <p:cNvPr id="69" name="Shape 69"/>
           <p:cNvSpPr/>
           <p:nvPr>
             <p:ph type="pic" sz="half" idx="13"/>
@@ -1626,7 +1813,7 @@
       </p:sp>
       <p:sp>
         <p:nvSpPr>
-          <p:cNvPr id="66" name="Shape 66"/>
+          <p:cNvPr id="70" name="Shape 70"/>
           <p:cNvSpPr/>
           <p:nvPr>
             <p:ph type="title"/>
@@ -1650,7 +1837,7 @@
       </p:sp>
       <p:sp>
         <p:nvSpPr>
-          <p:cNvPr id="67" name="Shape 67"/>
+          <p:cNvPr id="71" name="Shape 71"/>
           <p:cNvSpPr/>
           <p:nvPr>
             <p:ph type="body" sz="half" idx="1"/>
@@ -1733,7 +1920,7 @@
       </p:sp>
       <p:sp>
         <p:nvSpPr>
-          <p:cNvPr id="68" name="Shape 68"/>
+          <p:cNvPr id="72" name="Shape 72"/>
           <p:cNvSpPr/>
           <p:nvPr>
             <p:ph type="sldNum" sz="quarter" idx="2"/>
@@ -1781,7 +1968,7 @@
       </p:grpSpPr>
       <p:sp>
         <p:nvSpPr>
-          <p:cNvPr id="75" name="Shape 75"/>
+          <p:cNvPr id="79" name="Shape 79"/>
           <p:cNvSpPr/>
           <p:nvPr>
             <p:ph type="body" idx="1"/>
@@ -1833,7 +2020,7 @@
       </p:sp>
       <p:sp>
         <p:nvSpPr>
-          <p:cNvPr id="76" name="Shape 76"/>
+          <p:cNvPr id="80" name="Shape 80"/>
           <p:cNvSpPr/>
           <p:nvPr>
             <p:ph type="sldNum" sz="quarter" idx="2"/>
@@ -1881,7 +2068,7 @@
       </p:grpSpPr>
       <p:sp>
         <p:nvSpPr>
-          <p:cNvPr id="83" name="Shape 83"/>
+          <p:cNvPr id="87" name="Shape 87"/>
           <p:cNvSpPr/>
           <p:nvPr>
             <p:ph type="pic" sz="quarter" idx="13"/>
@@ -1908,7 +2095,7 @@
       </p:sp>
       <p:sp>
         <p:nvSpPr>
-          <p:cNvPr id="84" name="Shape 84"/>
+          <p:cNvPr id="88" name="Shape 88"/>
           <p:cNvSpPr/>
           <p:nvPr>
             <p:ph type="pic" sz="quarter" idx="14"/>
@@ -1935,7 +2122,7 @@
       </p:sp>
       <p:sp>
         <p:nvSpPr>
-          <p:cNvPr id="85" name="Shape 85"/>
+          <p:cNvPr id="89" name="Shape 89"/>
           <p:cNvSpPr/>
           <p:nvPr>
             <p:ph type="pic" sz="half" idx="15"/>
@@ -1962,7 +2149,7 @@
       </p:sp>
       <p:sp>
         <p:nvSpPr>
-          <p:cNvPr id="86" name="Shape 86"/>
+          <p:cNvPr id="90" name="Shape 90"/>
           <p:cNvSpPr/>
           <p:nvPr>
             <p:ph type="sldNum" sz="quarter" idx="2"/>
@@ -2981,7 +3168,7 @@
       </p:grpSpPr>
       <p:sp>
         <p:nvSpPr>
-          <p:cNvPr id="119" name="Shape 119"/>
+          <p:cNvPr id="123" name="Shape 123"/>
           <p:cNvSpPr/>
           <p:nvPr>
             <p:ph type="ctrTitle"/>
@@ -3005,7 +3192,7 @@
       </p:sp>
       <p:sp>
         <p:nvSpPr>
-          <p:cNvPr id="120" name="Shape 120"/>
+          <p:cNvPr id="124" name="Shape 124"/>
           <p:cNvSpPr/>
           <p:nvPr>
             <p:ph type="subTitle" sz="quarter" idx="1"/>
@@ -3055,7 +3242,7 @@
       </p:grpSpPr>
       <p:sp>
         <p:nvSpPr>
-          <p:cNvPr id="122" name="Shape 122"/>
+          <p:cNvPr id="126" name="Shape 126"/>
           <p:cNvSpPr/>
           <p:nvPr>
             <p:ph type="title"/>
@@ -3079,7 +3266,7 @@
       </p:sp>
       <p:sp>
         <p:nvSpPr>
-          <p:cNvPr id="123" name="Shape 123"/>
+          <p:cNvPr id="127" name="Shape 127"/>
           <p:cNvSpPr/>
           <p:nvPr>
             <p:ph type="body" idx="1"/>
@@ -3141,7 +3328,7 @@
       </p:grpSpPr>
       <p:sp>
         <p:nvSpPr>
-          <p:cNvPr id="125" name="Shape 125"/>
+          <p:cNvPr id="129" name="Shape 129"/>
           <p:cNvSpPr/>
           <p:nvPr>
             <p:ph type="title"/>
@@ -3156,7 +3343,14 @@
           <a:bodyPr/>
           <a:lstStyle/>
           <a:p>
-            <a:pPr lvl="1"/>
+            <a:pPr lvl="1">
+              <a:defRPr>
+                <a:latin typeface="Gill Sans"/>
+                <a:ea typeface="Gill Sans"/>
+                <a:cs typeface="Gill Sans"/>
+                <a:sym typeface="Gill Sans"/>
+              </a:defRPr>
+            </a:pPr>
             <a:r>
               <a:t>Scene</a:t>
             </a:r>
@@ -3165,7 +3359,7 @@
       </p:sp>
       <p:sp>
         <p:nvSpPr>
-          <p:cNvPr id="126" name="Shape 126"/>
+          <p:cNvPr id="130" name="Shape 130"/>
           <p:cNvSpPr/>
           <p:nvPr>
             <p:ph type="body" idx="1"/>
@@ -3227,7 +3421,7 @@
       </p:grpSpPr>
       <p:sp>
         <p:nvSpPr>
-          <p:cNvPr id="128" name="Shape 128"/>
+          <p:cNvPr id="132" name="Shape 132"/>
           <p:cNvSpPr/>
           <p:nvPr>
             <p:ph type="title"/>
@@ -3251,7 +3445,7 @@
       </p:sp>
       <p:sp>
         <p:nvSpPr>
-          <p:cNvPr id="129" name="Shape 129"/>
+          <p:cNvPr id="133" name="Shape 133"/>
           <p:cNvSpPr/>
           <p:nvPr>
             <p:ph type="body" idx="1"/>
@@ -3311,7 +3505,7 @@
       </p:grpSpPr>
       <p:sp>
         <p:nvSpPr>
-          <p:cNvPr id="131" name="Shape 131"/>
+          <p:cNvPr id="135" name="Shape 135"/>
           <p:cNvSpPr/>
           <p:nvPr>
             <p:ph type="title"/>
@@ -3326,7 +3520,14 @@
           <a:bodyPr/>
           <a:lstStyle/>
           <a:p>
-            <a:pPr lvl="1"/>
+            <a:pPr lvl="1">
+              <a:defRPr>
+                <a:latin typeface="Gill Sans"/>
+                <a:ea typeface="Gill Sans"/>
+                <a:cs typeface="Gill Sans"/>
+                <a:sym typeface="Gill Sans"/>
+              </a:defRPr>
+            </a:pPr>
             <a:r>
               <a:t>Puzzle</a:t>
             </a:r>
@@ -3335,7 +3536,7 @@
       </p:sp>
       <p:sp>
         <p:nvSpPr>
-          <p:cNvPr id="132" name="Shape 132"/>
+          <p:cNvPr id="136" name="Shape 136"/>
           <p:cNvSpPr/>
           <p:nvPr>
             <p:ph type="body" idx="1"/>
@@ -3397,7 +3598,7 @@
       </p:grpSpPr>
       <p:sp>
         <p:nvSpPr>
-          <p:cNvPr id="134" name="Shape 134"/>
+          <p:cNvPr id="138" name="Shape 138"/>
           <p:cNvSpPr/>
           <p:nvPr>
             <p:ph type="title"/>
@@ -3421,7 +3622,7 @@
       </p:sp>
       <p:sp>
         <p:nvSpPr>
-          <p:cNvPr id="135" name="Shape 135"/>
+          <p:cNvPr id="139" name="Shape 139"/>
           <p:cNvSpPr/>
           <p:nvPr>
             <p:ph type="body" idx="1"/>
@@ -3483,7 +3684,7 @@
       </p:grpSpPr>
       <p:sp>
         <p:nvSpPr>
-          <p:cNvPr id="137" name="Shape 137"/>
+          <p:cNvPr id="141" name="Shape 141"/>
           <p:cNvSpPr/>
           <p:nvPr>
             <p:ph type="title"/>
@@ -3507,7 +3708,7 @@
       </p:sp>
       <p:sp>
         <p:nvSpPr>
-          <p:cNvPr id="138" name="Shape 138"/>
+          <p:cNvPr id="142" name="Shape 142"/>
           <p:cNvSpPr/>
           <p:nvPr>
             <p:ph type="body" idx="1"/>
@@ -3563,7 +3764,7 @@
       </p:grpSpPr>
       <p:sp>
         <p:nvSpPr>
-          <p:cNvPr id="140" name="Shape 140"/>
+          <p:cNvPr id="144" name="Shape 144"/>
           <p:cNvSpPr/>
           <p:nvPr>
             <p:ph type="title"/>
@@ -3576,11 +3777,7 @@
         </p:spPr>
         <p:txBody>
           <a:bodyPr/>
-          <a:lstStyle>
-            <a:lvl1pPr defTabSz="566674">
-              <a:defRPr sz="7760"/>
-            </a:lvl1pPr>
-          </a:lstStyle>
+          <a:lstStyle/>
           <a:p>
             <a:pPr/>
             <a:r>
@@ -3591,7 +3788,7 @@
       </p:sp>
       <p:sp>
         <p:nvSpPr>
-          <p:cNvPr id="141" name="Shape 141"/>
+          <p:cNvPr id="145" name="Shape 145"/>
           <p:cNvSpPr/>
           <p:nvPr>
             <p:ph type="body" idx="1"/>
@@ -3647,7 +3844,7 @@
       </p:grpSpPr>
       <p:sp>
         <p:nvSpPr>
-          <p:cNvPr id="143" name="Shape 143"/>
+          <p:cNvPr id="147" name="Shape 147"/>
           <p:cNvSpPr/>
           <p:nvPr>
             <p:ph type="title"/>
@@ -3671,7 +3868,7 @@
       </p:sp>
       <p:sp>
         <p:nvSpPr>
-          <p:cNvPr id="144" name="Shape 144"/>
+          <p:cNvPr id="148" name="Shape 148"/>
           <p:cNvSpPr/>
           <p:nvPr>
             <p:ph type="body" idx="1"/>
